--- a/DIRECT project-1 2018.pptx
+++ b/DIRECT project-1 2018.pptx
@@ -3949,7 +3949,7 @@
         </p:nvSpPr>
         <p:spPr>
           <a:xfrm>
-            <a:off x="194800" y="28674197"/>
+            <a:off x="18288031" y="28553576"/>
             <a:ext cx="16519693" cy="1877437"/>
           </a:xfrm>
           <a:prstGeom prst="rect">
@@ -4033,7 +4033,7 @@
         </p:nvSpPr>
         <p:spPr>
           <a:xfrm>
-            <a:off x="130627" y="9496602"/>
+            <a:off x="322012" y="9496602"/>
             <a:ext cx="16595843" cy="1569660"/>
           </a:xfrm>
           <a:prstGeom prst="rect">
@@ -4192,8 +4192,8 @@
         </p:nvSpPr>
         <p:spPr>
           <a:xfrm>
-            <a:off x="130627" y="28721919"/>
-            <a:ext cx="16655145" cy="1478467"/>
+            <a:off x="18222679" y="11226268"/>
+            <a:ext cx="25414264" cy="17332666"/>
           </a:xfrm>
           <a:prstGeom prst="rect">
             <a:avLst/>
@@ -4245,7 +4245,7 @@
         <p:spPr>
           <a:xfrm>
             <a:off x="16971447" y="4324598"/>
-            <a:ext cx="14336487" cy="6320921"/>
+            <a:ext cx="14336487" cy="6748224"/>
           </a:xfrm>
           <a:prstGeom prst="rect">
             <a:avLst/>
@@ -4296,7 +4296,7 @@
         </p:nvSpPr>
         <p:spPr>
           <a:xfrm>
-            <a:off x="17073670" y="4324599"/>
+            <a:off x="17137465" y="4324599"/>
             <a:ext cx="14031972" cy="6309420"/>
           </a:xfrm>
           <a:prstGeom prst="rect">
@@ -4474,7 +4474,7 @@
         <p:spPr>
           <a:xfrm>
             <a:off x="31514144" y="4330062"/>
-            <a:ext cx="12115799" cy="6303958"/>
+            <a:ext cx="12115799" cy="6736200"/>
           </a:xfrm>
           <a:prstGeom prst="rect">
             <a:avLst/>
@@ -4525,8 +4525,8 @@
         </p:nvSpPr>
         <p:spPr>
           <a:xfrm>
-            <a:off x="31579455" y="4336099"/>
-            <a:ext cx="12017833" cy="6309420"/>
+            <a:off x="31705529" y="4337257"/>
+            <a:ext cx="11891759" cy="6740307"/>
           </a:xfrm>
           <a:prstGeom prst="rect">
             <a:avLst/>
@@ -4658,8 +4658,8 @@
         </p:blipFill>
         <p:spPr>
           <a:xfrm>
-            <a:off x="221381" y="14519477"/>
-            <a:ext cx="6949440" cy="4182501"/>
+            <a:off x="453834" y="14448706"/>
+            <a:ext cx="7669087" cy="4410321"/>
           </a:xfrm>
           <a:prstGeom prst="rect">
             <a:avLst/>
@@ -4680,8 +4680,8 @@
         </p:nvSpPr>
         <p:spPr>
           <a:xfrm>
-            <a:off x="130630" y="11180364"/>
-            <a:ext cx="16655142" cy="17415746"/>
+            <a:off x="130630" y="11226268"/>
+            <a:ext cx="17923454" cy="18766658"/>
           </a:xfrm>
           <a:prstGeom prst="rect">
             <a:avLst/>
@@ -4732,8 +4732,8 @@
         </p:nvSpPr>
         <p:spPr>
           <a:xfrm>
-            <a:off x="130630" y="11226268"/>
-            <a:ext cx="16595840" cy="3293209"/>
+            <a:off x="322016" y="11250817"/>
+            <a:ext cx="17668272" cy="3293209"/>
           </a:xfrm>
           <a:prstGeom prst="rect">
             <a:avLst/>
@@ -4794,8 +4794,8 @@
         </p:blipFill>
         <p:spPr>
           <a:xfrm>
-            <a:off x="7261572" y="14578794"/>
-            <a:ext cx="9352757" cy="3924202"/>
+            <a:off x="8211550" y="14514910"/>
+            <a:ext cx="9778040" cy="4030551"/>
           </a:xfrm>
           <a:prstGeom prst="rect">
             <a:avLst/>
@@ -4816,8 +4816,8 @@
         </p:nvSpPr>
         <p:spPr>
           <a:xfrm>
-            <a:off x="741048" y="18545461"/>
-            <a:ext cx="6197338" cy="369332"/>
+            <a:off x="173695" y="18802090"/>
+            <a:ext cx="8177688" cy="461665"/>
           </a:xfrm>
           <a:prstGeom prst="rect">
             <a:avLst/>
@@ -4831,7 +4831,7 @@
           <a:lstStyle/>
           <a:p>
             <a:r>
-              <a:rPr lang="en-US" dirty="0"/>
+              <a:rPr lang="en-US" sz="2400" dirty="0"/>
               <a:t>Figure 1. Load entering volume and capacity of treatment plants</a:t>
             </a:r>
           </a:p>
@@ -4851,8 +4851,8 @@
         </p:nvSpPr>
         <p:spPr>
           <a:xfrm>
-            <a:off x="7494313" y="18400521"/>
-            <a:ext cx="9220180" cy="646331"/>
+            <a:off x="8814945" y="18526703"/>
+            <a:ext cx="9220180" cy="830997"/>
           </a:xfrm>
           <a:prstGeom prst="rect">
             <a:avLst/>
@@ -4866,23 +4866,23 @@
           <a:lstStyle/>
           <a:p>
             <a:r>
-              <a:rPr lang="en-US" dirty="0"/>
+              <a:rPr lang="en-US" sz="2400" dirty="0"/>
               <a:t>Figure 2. Analysis of multilinear regression a) </a:t>
             </a:r>
             <a:r>
-              <a:rPr lang="en-US" dirty="0" err="1"/>
+              <a:rPr lang="en-US" sz="2400" dirty="0" err="1"/>
               <a:t>Studentized</a:t>
             </a:r>
             <a:r>
-              <a:rPr lang="en-US" dirty="0"/>
+              <a:rPr lang="en-US" sz="2400" dirty="0"/>
               <a:t> Residual with Leverage. b) </a:t>
             </a:r>
             <a:r>
-              <a:rPr lang="en-US" dirty="0" err="1"/>
+              <a:rPr lang="en-US" sz="2400" dirty="0" err="1"/>
               <a:t>Studentized</a:t>
             </a:r>
             <a:r>
-              <a:rPr lang="en-US" dirty="0"/>
+              <a:rPr lang="en-US" sz="2400" dirty="0"/>
               <a:t> Residual with the fitted values. </a:t>
             </a:r>
           </a:p>
@@ -4902,8 +4902,8 @@
         </p:nvSpPr>
         <p:spPr>
           <a:xfrm>
-            <a:off x="7620000" y="14276768"/>
-            <a:ext cx="436338" cy="369332"/>
+            <a:off x="8534402" y="14170443"/>
+            <a:ext cx="465192" cy="400110"/>
           </a:xfrm>
           <a:prstGeom prst="rect">
             <a:avLst/>
@@ -4917,7 +4917,7 @@
           <a:lstStyle/>
           <a:p>
             <a:r>
-              <a:rPr lang="en-US" dirty="0"/>
+              <a:rPr lang="en-US" sz="2000" dirty="0"/>
               <a:t>(a)</a:t>
             </a:r>
           </a:p>
@@ -4937,8 +4937,8 @@
         </p:nvSpPr>
         <p:spPr>
           <a:xfrm>
-            <a:off x="12222129" y="14209462"/>
-            <a:ext cx="447558" cy="369332"/>
+            <a:off x="13391711" y="14209462"/>
+            <a:ext cx="476412" cy="400110"/>
           </a:xfrm>
           <a:prstGeom prst="rect">
             <a:avLst/>
@@ -4952,7 +4952,7 @@
           <a:lstStyle/>
           <a:p>
             <a:r>
-              <a:rPr lang="en-US" dirty="0"/>
+              <a:rPr lang="en-US" sz="2000" dirty="0"/>
               <a:t>(b)</a:t>
             </a:r>
           </a:p>
@@ -4972,8 +4972,8 @@
         </p:nvSpPr>
         <p:spPr>
           <a:xfrm>
-            <a:off x="189930" y="18954881"/>
-            <a:ext cx="16524563" cy="2431435"/>
+            <a:off x="375899" y="19354563"/>
+            <a:ext cx="17608972" cy="2431435"/>
           </a:xfrm>
           <a:prstGeom prst="rect">
             <a:avLst/>
@@ -5042,8 +5042,8 @@
         </p:blipFill>
         <p:spPr>
           <a:xfrm>
-            <a:off x="512495" y="21364730"/>
-            <a:ext cx="6145830" cy="4779456"/>
+            <a:off x="10699161" y="21828697"/>
+            <a:ext cx="6802777" cy="5290347"/>
           </a:xfrm>
           <a:prstGeom prst="rect">
             <a:avLst/>
@@ -5064,8 +5064,8 @@
         </p:nvSpPr>
         <p:spPr>
           <a:xfrm>
-            <a:off x="160278" y="26595562"/>
-            <a:ext cx="16536540" cy="2000548"/>
+            <a:off x="348246" y="27985938"/>
+            <a:ext cx="17608972" cy="2000548"/>
           </a:xfrm>
           <a:prstGeom prst="rect">
             <a:avLst/>
@@ -5124,8 +5124,8 @@
         </p:blipFill>
         <p:spPr>
           <a:xfrm>
-            <a:off x="7620000" y="23641177"/>
-            <a:ext cx="8864731" cy="2198856"/>
+            <a:off x="389589" y="24331273"/>
+            <a:ext cx="10005013" cy="2431435"/>
           </a:xfrm>
           <a:prstGeom prst="rect">
             <a:avLst/>
@@ -5146,8 +5146,8 @@
         </p:nvSpPr>
         <p:spPr>
           <a:xfrm>
-            <a:off x="160277" y="26122599"/>
-            <a:ext cx="7459723" cy="369332"/>
+            <a:off x="10575402" y="26985687"/>
+            <a:ext cx="7459723" cy="830997"/>
           </a:xfrm>
           <a:prstGeom prst="rect">
             <a:avLst/>
@@ -5161,8 +5161,8 @@
           <a:lstStyle/>
           <a:p>
             <a:r>
-              <a:rPr lang="en-US" dirty="0"/>
-              <a:t>Figure 3. Ridge regression of the normalized observed and predicted capacity.</a:t>
+              <a:rPr lang="en-US" sz="2400" dirty="0"/>
+              <a:t>Figure 3. Ridge regression of the normalized observed capacity and normalized predicted capacity.</a:t>
             </a:r>
           </a:p>
         </p:txBody>
@@ -5181,8 +5181,8 @@
         </p:nvSpPr>
         <p:spPr>
           <a:xfrm>
-            <a:off x="7494313" y="23392467"/>
-            <a:ext cx="5381858" cy="369332"/>
+            <a:off x="359223" y="23739896"/>
+            <a:ext cx="7129709" cy="461665"/>
           </a:xfrm>
           <a:prstGeom prst="rect">
             <a:avLst/>
@@ -5196,8 +5196,876 @@
           <a:lstStyle/>
           <a:p>
             <a:r>
-              <a:rPr lang="en-US" dirty="0"/>
+              <a:rPr lang="en-US" sz="2400" dirty="0"/>
               <a:t>Table 1. Nearest neighbor of the given input by the user</a:t>
+            </a:r>
+          </a:p>
+        </p:txBody>
+      </p:sp>
+      <p:pic>
+        <p:nvPicPr>
+          <p:cNvPr id="40" name="Picture 39">
+            <a:extLst>
+              <a:ext uri="{FF2B5EF4-FFF2-40B4-BE49-F238E27FC236}">
+                <a16:creationId xmlns:a16="http://schemas.microsoft.com/office/drawing/2014/main" id="{53B95BC1-E8BF-4A14-A335-A0165CEBA73D}"/>
+              </a:ext>
+            </a:extLst>
+          </p:cNvPr>
+          <p:cNvPicPr>
+            <a:picLocks noChangeAspect="1"/>
+          </p:cNvPicPr>
+          <p:nvPr/>
+        </p:nvPicPr>
+        <p:blipFill>
+          <a:blip r:embed="rId15"/>
+          <a:stretch>
+            <a:fillRect/>
+          </a:stretch>
+        </p:blipFill>
+        <p:spPr>
+          <a:xfrm>
+            <a:off x="18768000" y="12034845"/>
+            <a:ext cx="11261014" cy="14111517"/>
+          </a:xfrm>
+          <a:prstGeom prst="rect">
+            <a:avLst/>
+          </a:prstGeom>
+        </p:spPr>
+      </p:pic>
+      <p:pic>
+        <p:nvPicPr>
+          <p:cNvPr id="42" name="Picture 41">
+            <a:extLst>
+              <a:ext uri="{FF2B5EF4-FFF2-40B4-BE49-F238E27FC236}">
+                <a16:creationId xmlns:a16="http://schemas.microsoft.com/office/drawing/2014/main" id="{B7936D9D-9A8B-44F7-954E-CE928937E2A3}"/>
+              </a:ext>
+            </a:extLst>
+          </p:cNvPr>
+          <p:cNvPicPr>
+            <a:picLocks noChangeAspect="1"/>
+          </p:cNvPicPr>
+          <p:nvPr/>
+        </p:nvPicPr>
+        <p:blipFill>
+          <a:blip r:embed="rId16"/>
+          <a:stretch>
+            <a:fillRect/>
+          </a:stretch>
+        </p:blipFill>
+        <p:spPr>
+          <a:xfrm>
+            <a:off x="32413484" y="12024091"/>
+            <a:ext cx="11118493" cy="14109192"/>
+          </a:xfrm>
+          <a:prstGeom prst="rect">
+            <a:avLst/>
+          </a:prstGeom>
+        </p:spPr>
+      </p:pic>
+      <p:sp>
+        <p:nvSpPr>
+          <p:cNvPr id="43" name="TextBox 42">
+            <a:extLst>
+              <a:ext uri="{FF2B5EF4-FFF2-40B4-BE49-F238E27FC236}">
+                <a16:creationId xmlns:a16="http://schemas.microsoft.com/office/drawing/2014/main" id="{C721B8F9-8CF0-4F7D-BF43-F91DD454A6AD}"/>
+              </a:ext>
+            </a:extLst>
+          </p:cNvPr>
+          <p:cNvSpPr txBox="1"/>
+          <p:nvPr/>
+        </p:nvSpPr>
+        <p:spPr>
+          <a:xfrm>
+            <a:off x="18371534" y="11316205"/>
+            <a:ext cx="12040370" cy="707886"/>
+          </a:xfrm>
+          <a:prstGeom prst="rect">
+            <a:avLst/>
+          </a:prstGeom>
+          <a:noFill/>
+        </p:spPr>
+        <p:txBody>
+          <a:bodyPr wrap="square" rtlCol="0">
+            <a:spAutoFit/>
+          </a:bodyPr>
+          <a:lstStyle/>
+          <a:p>
+            <a:r>
+              <a:rPr lang="en-US" sz="4000" b="1" dirty="0"/>
+              <a:t>Data Visualization</a:t>
+            </a:r>
+          </a:p>
+        </p:txBody>
+      </p:sp>
+      <p:sp>
+        <p:nvSpPr>
+          <p:cNvPr id="44" name="TextBox 43">
+            <a:extLst>
+              <a:ext uri="{FF2B5EF4-FFF2-40B4-BE49-F238E27FC236}">
+                <a16:creationId xmlns:a16="http://schemas.microsoft.com/office/drawing/2014/main" id="{14B8DCB4-A6BB-4240-A711-4348B4E45700}"/>
+              </a:ext>
+            </a:extLst>
+          </p:cNvPr>
+          <p:cNvSpPr txBox="1"/>
+          <p:nvPr/>
+        </p:nvSpPr>
+        <p:spPr>
+          <a:xfrm>
+            <a:off x="18530409" y="26291811"/>
+            <a:ext cx="11118493" cy="461665"/>
+          </a:xfrm>
+          <a:prstGeom prst="rect">
+            <a:avLst/>
+          </a:prstGeom>
+          <a:noFill/>
+        </p:spPr>
+        <p:txBody>
+          <a:bodyPr wrap="none" rtlCol="0">
+            <a:spAutoFit/>
+          </a:bodyPr>
+          <a:lstStyle/>
+          <a:p>
+            <a:r>
+              <a:rPr lang="en-US" sz="2400" dirty="0"/>
+              <a:t>Figure 3. Map of Europe with capacity of waste water treatment plant in groups of color</a:t>
+            </a:r>
+          </a:p>
+        </p:txBody>
+      </p:sp>
+      <p:sp>
+        <p:nvSpPr>
+          <p:cNvPr id="45" name="TextBox 44">
+            <a:extLst>
+              <a:ext uri="{FF2B5EF4-FFF2-40B4-BE49-F238E27FC236}">
+                <a16:creationId xmlns:a16="http://schemas.microsoft.com/office/drawing/2014/main" id="{83B3A0A6-124B-4C7F-A2FD-201118046853}"/>
+              </a:ext>
+            </a:extLst>
+          </p:cNvPr>
+          <p:cNvSpPr txBox="1"/>
+          <p:nvPr/>
+        </p:nvSpPr>
+        <p:spPr>
+          <a:xfrm>
+            <a:off x="32985491" y="26302294"/>
+            <a:ext cx="10644452" cy="461665"/>
+          </a:xfrm>
+          <a:prstGeom prst="rect">
+            <a:avLst/>
+          </a:prstGeom>
+          <a:noFill/>
+        </p:spPr>
+        <p:txBody>
+          <a:bodyPr wrap="none" rtlCol="0">
+            <a:spAutoFit/>
+          </a:bodyPr>
+          <a:lstStyle/>
+          <a:p>
+            <a:r>
+              <a:rPr lang="en-US" sz="2400" dirty="0"/>
+              <a:t>Figure 4. Map of Europe with capacity of waste water treatment plant in size of dots</a:t>
+            </a:r>
+          </a:p>
+        </p:txBody>
+      </p:sp>
+      <p:grpSp>
+        <p:nvGrpSpPr>
+          <p:cNvPr id="51" name="Group 50">
+            <a:extLst>
+              <a:ext uri="{FF2B5EF4-FFF2-40B4-BE49-F238E27FC236}">
+                <a16:creationId xmlns:a16="http://schemas.microsoft.com/office/drawing/2014/main" id="{515F4DB5-FE7D-4621-9DE6-CB33ADD7BA1B}"/>
+              </a:ext>
+            </a:extLst>
+          </p:cNvPr>
+          <p:cNvGrpSpPr/>
+          <p:nvPr/>
+        </p:nvGrpSpPr>
+        <p:grpSpPr>
+          <a:xfrm>
+            <a:off x="19215900" y="12525063"/>
+            <a:ext cx="3201557" cy="2342748"/>
+            <a:chOff x="29610517" y="22838735"/>
+            <a:chExt cx="3201557" cy="2342748"/>
+          </a:xfrm>
+        </p:grpSpPr>
+        <p:sp>
+          <p:nvSpPr>
+            <p:cNvPr id="46" name="Rectangle 45">
+              <a:extLst>
+                <a:ext uri="{FF2B5EF4-FFF2-40B4-BE49-F238E27FC236}">
+                  <a16:creationId xmlns:a16="http://schemas.microsoft.com/office/drawing/2014/main" id="{B1976470-E185-4928-8301-D39F2E83F774}"/>
+                </a:ext>
+              </a:extLst>
+            </p:cNvPr>
+            <p:cNvSpPr/>
+            <p:nvPr/>
+          </p:nvSpPr>
+          <p:spPr>
+            <a:xfrm>
+              <a:off x="29610517" y="22838735"/>
+              <a:ext cx="3201557" cy="2342748"/>
+            </a:xfrm>
+            <a:prstGeom prst="rect">
+              <a:avLst/>
+            </a:prstGeom>
+            <a:solidFill>
+              <a:schemeClr val="bg1"/>
+            </a:solidFill>
+            <a:ln>
+              <a:solidFill>
+                <a:schemeClr val="tx1"/>
+              </a:solidFill>
+            </a:ln>
+          </p:spPr>
+          <p:style>
+            <a:lnRef idx="2">
+              <a:schemeClr val="accent1">
+                <a:shade val="50000"/>
+              </a:schemeClr>
+            </a:lnRef>
+            <a:fillRef idx="1">
+              <a:schemeClr val="accent1"/>
+            </a:fillRef>
+            <a:effectRef idx="0">
+              <a:schemeClr val="accent1"/>
+            </a:effectRef>
+            <a:fontRef idx="minor">
+              <a:schemeClr val="lt1"/>
+            </a:fontRef>
+          </p:style>
+          <p:txBody>
+            <a:bodyPr rtlCol="0" anchor="ctr"/>
+            <a:lstStyle/>
+            <a:p>
+              <a:pPr algn="ctr"/>
+              <a:endParaRPr lang="en-US"/>
+            </a:p>
+          </p:txBody>
+        </p:sp>
+        <p:sp>
+          <p:nvSpPr>
+            <p:cNvPr id="47" name="Flowchart: Connector 46">
+              <a:extLst>
+                <a:ext uri="{FF2B5EF4-FFF2-40B4-BE49-F238E27FC236}">
+                  <a16:creationId xmlns:a16="http://schemas.microsoft.com/office/drawing/2014/main" id="{3C10E21C-8482-42DD-B7C9-11974D120AF9}"/>
+                </a:ext>
+              </a:extLst>
+            </p:cNvPr>
+            <p:cNvSpPr/>
+            <p:nvPr/>
+          </p:nvSpPr>
+          <p:spPr>
+            <a:xfrm>
+              <a:off x="29767559" y="23017859"/>
+              <a:ext cx="365760" cy="365760"/>
+            </a:xfrm>
+            <a:prstGeom prst="flowChartConnector">
+              <a:avLst/>
+            </a:prstGeom>
+            <a:solidFill>
+              <a:srgbClr val="FF0000"/>
+            </a:solidFill>
+            <a:ln>
+              <a:solidFill>
+                <a:srgbClr val="FF0000"/>
+              </a:solidFill>
+            </a:ln>
+          </p:spPr>
+          <p:style>
+            <a:lnRef idx="2">
+              <a:schemeClr val="accent1">
+                <a:shade val="50000"/>
+              </a:schemeClr>
+            </a:lnRef>
+            <a:fillRef idx="1">
+              <a:schemeClr val="accent1"/>
+            </a:fillRef>
+            <a:effectRef idx="0">
+              <a:schemeClr val="accent1"/>
+            </a:effectRef>
+            <a:fontRef idx="minor">
+              <a:schemeClr val="lt1"/>
+            </a:fontRef>
+          </p:style>
+          <p:txBody>
+            <a:bodyPr rtlCol="0" anchor="ctr"/>
+            <a:lstStyle/>
+            <a:p>
+              <a:pPr algn="ctr"/>
+              <a:endParaRPr lang="en-US" dirty="0"/>
+            </a:p>
+          </p:txBody>
+        </p:sp>
+        <p:sp>
+          <p:nvSpPr>
+            <p:cNvPr id="48" name="Flowchart: Connector 47">
+              <a:extLst>
+                <a:ext uri="{FF2B5EF4-FFF2-40B4-BE49-F238E27FC236}">
+                  <a16:creationId xmlns:a16="http://schemas.microsoft.com/office/drawing/2014/main" id="{C6F6B23D-3422-47DD-8A90-8ADB00CA92E7}"/>
+                </a:ext>
+              </a:extLst>
+            </p:cNvPr>
+            <p:cNvSpPr/>
+            <p:nvPr/>
+          </p:nvSpPr>
+          <p:spPr>
+            <a:xfrm>
+              <a:off x="29767559" y="23850612"/>
+              <a:ext cx="365760" cy="365760"/>
+            </a:xfrm>
+            <a:prstGeom prst="flowChartConnector">
+              <a:avLst/>
+            </a:prstGeom>
+            <a:solidFill>
+              <a:srgbClr val="2F7934"/>
+            </a:solidFill>
+            <a:ln>
+              <a:solidFill>
+                <a:srgbClr val="4D7830"/>
+              </a:solidFill>
+            </a:ln>
+          </p:spPr>
+          <p:style>
+            <a:lnRef idx="2">
+              <a:schemeClr val="accent1">
+                <a:shade val="50000"/>
+              </a:schemeClr>
+            </a:lnRef>
+            <a:fillRef idx="1">
+              <a:schemeClr val="accent1"/>
+            </a:fillRef>
+            <a:effectRef idx="0">
+              <a:schemeClr val="accent1"/>
+            </a:effectRef>
+            <a:fontRef idx="minor">
+              <a:schemeClr val="lt1"/>
+            </a:fontRef>
+          </p:style>
+          <p:txBody>
+            <a:bodyPr rtlCol="0" anchor="ctr"/>
+            <a:lstStyle/>
+            <a:p>
+              <a:pPr algn="ctr"/>
+              <a:endParaRPr lang="en-US"/>
+            </a:p>
+          </p:txBody>
+        </p:sp>
+        <p:sp>
+          <p:nvSpPr>
+            <p:cNvPr id="49" name="Flowchart: Connector 48">
+              <a:extLst>
+                <a:ext uri="{FF2B5EF4-FFF2-40B4-BE49-F238E27FC236}">
+                  <a16:creationId xmlns:a16="http://schemas.microsoft.com/office/drawing/2014/main" id="{ADDA481D-AEC2-4C1E-834A-35E4CA1AB823}"/>
+                </a:ext>
+              </a:extLst>
+            </p:cNvPr>
+            <p:cNvSpPr/>
+            <p:nvPr/>
+          </p:nvSpPr>
+          <p:spPr>
+            <a:xfrm>
+              <a:off x="29767559" y="24738685"/>
+              <a:ext cx="365760" cy="365760"/>
+            </a:xfrm>
+            <a:prstGeom prst="flowChartConnector">
+              <a:avLst/>
+            </a:prstGeom>
+            <a:solidFill>
+              <a:srgbClr val="BEC218"/>
+            </a:solidFill>
+            <a:ln>
+              <a:solidFill>
+                <a:srgbClr val="BEC218"/>
+              </a:solidFill>
+            </a:ln>
+          </p:spPr>
+          <p:style>
+            <a:lnRef idx="2">
+              <a:schemeClr val="accent1">
+                <a:shade val="50000"/>
+              </a:schemeClr>
+            </a:lnRef>
+            <a:fillRef idx="1">
+              <a:schemeClr val="accent1"/>
+            </a:fillRef>
+            <a:effectRef idx="0">
+              <a:schemeClr val="accent1"/>
+            </a:effectRef>
+            <a:fontRef idx="minor">
+              <a:schemeClr val="lt1"/>
+            </a:fontRef>
+          </p:style>
+          <p:txBody>
+            <a:bodyPr rtlCol="0" anchor="ctr"/>
+            <a:lstStyle/>
+            <a:p>
+              <a:pPr algn="ctr"/>
+              <a:endParaRPr lang="en-US"/>
+            </a:p>
+          </p:txBody>
+        </p:sp>
+        <p:sp>
+          <p:nvSpPr>
+            <p:cNvPr id="50" name="TextBox 49">
+              <a:extLst>
+                <a:ext uri="{FF2B5EF4-FFF2-40B4-BE49-F238E27FC236}">
+                  <a16:creationId xmlns:a16="http://schemas.microsoft.com/office/drawing/2014/main" id="{6A4BEA76-24CE-4CDD-8FE2-70BA5E18921A}"/>
+                </a:ext>
+              </a:extLst>
+            </p:cNvPr>
+            <p:cNvSpPr txBox="1"/>
+            <p:nvPr/>
+          </p:nvSpPr>
+          <p:spPr>
+            <a:xfrm>
+              <a:off x="30238118" y="22934714"/>
+              <a:ext cx="2468946" cy="2246769"/>
+            </a:xfrm>
+            <a:prstGeom prst="rect">
+              <a:avLst/>
+            </a:prstGeom>
+            <a:noFill/>
+          </p:spPr>
+          <p:txBody>
+            <a:bodyPr wrap="none" rtlCol="0">
+              <a:spAutoFit/>
+            </a:bodyPr>
+            <a:lstStyle/>
+            <a:p>
+              <a:r>
+                <a:rPr lang="en-US" sz="2800" dirty="0"/>
+                <a:t>0 - 3600</a:t>
+              </a:r>
+            </a:p>
+            <a:p>
+              <a:endParaRPr lang="en-US" sz="2800" dirty="0"/>
+            </a:p>
+            <a:p>
+              <a:r>
+                <a:rPr lang="en-US" sz="2800" dirty="0"/>
+                <a:t>3600 – 12981</a:t>
+              </a:r>
+            </a:p>
+            <a:p>
+              <a:endParaRPr lang="en-US" sz="2800" dirty="0"/>
+            </a:p>
+            <a:p>
+              <a:r>
+                <a:rPr lang="en-US" sz="2800" dirty="0"/>
+                <a:t>12981 - 750000</a:t>
+              </a:r>
+            </a:p>
+          </p:txBody>
+        </p:sp>
+      </p:grpSp>
+      <p:sp>
+        <p:nvSpPr>
+          <p:cNvPr id="52" name="TextBox 51">
+            <a:extLst>
+              <a:ext uri="{FF2B5EF4-FFF2-40B4-BE49-F238E27FC236}">
+                <a16:creationId xmlns:a16="http://schemas.microsoft.com/office/drawing/2014/main" id="{DDF0E793-2478-4466-AFF7-CB1DABA3AB11}"/>
+              </a:ext>
+            </a:extLst>
+          </p:cNvPr>
+          <p:cNvSpPr txBox="1"/>
+          <p:nvPr/>
+        </p:nvSpPr>
+        <p:spPr>
+          <a:xfrm>
+            <a:off x="18435329" y="27031603"/>
+            <a:ext cx="24476930" cy="1384995"/>
+          </a:xfrm>
+          <a:prstGeom prst="rect">
+            <a:avLst/>
+          </a:prstGeom>
+          <a:noFill/>
+        </p:spPr>
+        <p:txBody>
+          <a:bodyPr wrap="square" rtlCol="0">
+            <a:spAutoFit/>
+          </a:bodyPr>
+          <a:lstStyle/>
+          <a:p>
+            <a:pPr marL="285750" indent="-285750">
+              <a:buFont typeface="Arial" panose="020B0604020202020204" pitchFamily="34" charset="0"/>
+              <a:buChar char="•"/>
+            </a:pPr>
+            <a:r>
+              <a:rPr lang="en-US" sz="2800" dirty="0"/>
+              <a:t>The maps was created by folium and </a:t>
+            </a:r>
+            <a:r>
+              <a:rPr lang="en-US" sz="2800" dirty="0" err="1"/>
+              <a:t>mpl_toolkits.basemap</a:t>
+            </a:r>
+            <a:r>
+              <a:rPr lang="en-US" sz="2800" dirty="0"/>
+              <a:t>.</a:t>
+            </a:r>
+          </a:p>
+          <a:p>
+            <a:pPr marL="285750" indent="-285750">
+              <a:buFont typeface="Arial" panose="020B0604020202020204" pitchFamily="34" charset="0"/>
+              <a:buChar char="•"/>
+            </a:pPr>
+            <a:r>
+              <a:rPr lang="en-US" sz="2800" dirty="0"/>
+              <a:t>The figures allow us to clearly identify the area where most waste water treatment plants are located in Europe and where in Europe still lack the development of urban waste water treatment.</a:t>
+            </a:r>
+          </a:p>
+        </p:txBody>
+      </p:sp>
+      <p:sp>
+        <p:nvSpPr>
+          <p:cNvPr id="53" name="Rectangle 52">
+            <a:extLst>
+              <a:ext uri="{FF2B5EF4-FFF2-40B4-BE49-F238E27FC236}">
+                <a16:creationId xmlns:a16="http://schemas.microsoft.com/office/drawing/2014/main" id="{9E6D84F2-F303-483F-91AB-A2E1258C3EE0}"/>
+              </a:ext>
+            </a:extLst>
+          </p:cNvPr>
+          <p:cNvSpPr/>
+          <p:nvPr/>
+        </p:nvSpPr>
+        <p:spPr>
+          <a:xfrm>
+            <a:off x="18768001" y="18648132"/>
+            <a:ext cx="379214" cy="1199998"/>
+          </a:xfrm>
+          <a:prstGeom prst="rect">
+            <a:avLst/>
+          </a:prstGeom>
+          <a:solidFill>
+            <a:schemeClr val="bg1"/>
+          </a:solidFill>
+          <a:ln>
+            <a:solidFill>
+              <a:schemeClr val="bg1"/>
+            </a:solidFill>
+          </a:ln>
+        </p:spPr>
+        <p:style>
+          <a:lnRef idx="2">
+            <a:schemeClr val="accent1">
+              <a:shade val="50000"/>
+            </a:schemeClr>
+          </a:lnRef>
+          <a:fillRef idx="1">
+            <a:schemeClr val="accent1"/>
+          </a:fillRef>
+          <a:effectRef idx="0">
+            <a:schemeClr val="accent1"/>
+          </a:effectRef>
+          <a:fontRef idx="minor">
+            <a:schemeClr val="lt1"/>
+          </a:fontRef>
+        </p:style>
+        <p:txBody>
+          <a:bodyPr rtlCol="0" anchor="ctr"/>
+          <a:lstStyle/>
+          <a:p>
+            <a:pPr algn="ctr"/>
+            <a:endParaRPr lang="en-US" dirty="0"/>
+          </a:p>
+        </p:txBody>
+      </p:sp>
+      <p:sp>
+        <p:nvSpPr>
+          <p:cNvPr id="54" name="Rectangle 53">
+            <a:extLst>
+              <a:ext uri="{FF2B5EF4-FFF2-40B4-BE49-F238E27FC236}">
+                <a16:creationId xmlns:a16="http://schemas.microsoft.com/office/drawing/2014/main" id="{908D3741-6C3A-4F4D-BACD-B23E43B06A29}"/>
+              </a:ext>
+            </a:extLst>
+          </p:cNvPr>
+          <p:cNvSpPr/>
+          <p:nvPr/>
+        </p:nvSpPr>
+        <p:spPr>
+          <a:xfrm>
+            <a:off x="32404386" y="18705815"/>
+            <a:ext cx="379214" cy="1199998"/>
+          </a:xfrm>
+          <a:prstGeom prst="rect">
+            <a:avLst/>
+          </a:prstGeom>
+          <a:solidFill>
+            <a:schemeClr val="bg1"/>
+          </a:solidFill>
+          <a:ln>
+            <a:solidFill>
+              <a:schemeClr val="bg1"/>
+            </a:solidFill>
+          </a:ln>
+        </p:spPr>
+        <p:style>
+          <a:lnRef idx="2">
+            <a:schemeClr val="accent1">
+              <a:shade val="50000"/>
+            </a:schemeClr>
+          </a:lnRef>
+          <a:fillRef idx="1">
+            <a:schemeClr val="accent1"/>
+          </a:fillRef>
+          <a:effectRef idx="0">
+            <a:schemeClr val="accent1"/>
+          </a:effectRef>
+          <a:fontRef idx="minor">
+            <a:schemeClr val="lt1"/>
+          </a:fontRef>
+        </p:style>
+        <p:txBody>
+          <a:bodyPr rtlCol="0" anchor="ctr"/>
+          <a:lstStyle/>
+          <a:p>
+            <a:pPr algn="ctr"/>
+            <a:endParaRPr lang="en-US" dirty="0"/>
+          </a:p>
+        </p:txBody>
+      </p:sp>
+      <p:sp>
+        <p:nvSpPr>
+          <p:cNvPr id="55" name="TextBox 54">
+            <a:extLst>
+              <a:ext uri="{FF2B5EF4-FFF2-40B4-BE49-F238E27FC236}">
+                <a16:creationId xmlns:a16="http://schemas.microsoft.com/office/drawing/2014/main" id="{8DC9D086-3821-4B57-A6D0-E7DB3A6C2CB8}"/>
+              </a:ext>
+            </a:extLst>
+          </p:cNvPr>
+          <p:cNvSpPr txBox="1"/>
+          <p:nvPr/>
+        </p:nvSpPr>
+        <p:spPr>
+          <a:xfrm rot="16200000">
+            <a:off x="18235551" y="19096089"/>
+            <a:ext cx="1381981" cy="523220"/>
+          </a:xfrm>
+          <a:prstGeom prst="rect">
+            <a:avLst/>
+          </a:prstGeom>
+          <a:noFill/>
+        </p:spPr>
+        <p:txBody>
+          <a:bodyPr wrap="none" rtlCol="0">
+            <a:spAutoFit/>
+          </a:bodyPr>
+          <a:lstStyle/>
+          <a:p>
+            <a:r>
+              <a:rPr lang="en-US" sz="2800" dirty="0"/>
+              <a:t>Latitude</a:t>
+            </a:r>
+          </a:p>
+        </p:txBody>
+      </p:sp>
+      <p:sp>
+        <p:nvSpPr>
+          <p:cNvPr id="56" name="TextBox 55">
+            <a:extLst>
+              <a:ext uri="{FF2B5EF4-FFF2-40B4-BE49-F238E27FC236}">
+                <a16:creationId xmlns:a16="http://schemas.microsoft.com/office/drawing/2014/main" id="{D4400985-4E9A-423B-904E-E3558FFC8436}"/>
+              </a:ext>
+            </a:extLst>
+          </p:cNvPr>
+          <p:cNvSpPr txBox="1"/>
+          <p:nvPr/>
+        </p:nvSpPr>
+        <p:spPr>
+          <a:xfrm rot="16200000">
+            <a:off x="31722494" y="18974841"/>
+            <a:ext cx="1381981" cy="523220"/>
+          </a:xfrm>
+          <a:prstGeom prst="rect">
+            <a:avLst/>
+          </a:prstGeom>
+          <a:noFill/>
+        </p:spPr>
+        <p:txBody>
+          <a:bodyPr wrap="none" rtlCol="0">
+            <a:spAutoFit/>
+          </a:bodyPr>
+          <a:lstStyle/>
+          <a:p>
+            <a:r>
+              <a:rPr lang="en-US" sz="2800" dirty="0"/>
+              <a:t>Latitude</a:t>
+            </a:r>
+          </a:p>
+        </p:txBody>
+      </p:sp>
+      <p:sp>
+        <p:nvSpPr>
+          <p:cNvPr id="57" name="Rectangle 56">
+            <a:extLst>
+              <a:ext uri="{FF2B5EF4-FFF2-40B4-BE49-F238E27FC236}">
+                <a16:creationId xmlns:a16="http://schemas.microsoft.com/office/drawing/2014/main" id="{14006383-7A66-4491-9840-D5ED86785DFA}"/>
+              </a:ext>
+            </a:extLst>
+          </p:cNvPr>
+          <p:cNvSpPr/>
+          <p:nvPr/>
+        </p:nvSpPr>
+        <p:spPr>
+          <a:xfrm rot="5400000">
+            <a:off x="37513032" y="25373691"/>
+            <a:ext cx="379214" cy="1199998"/>
+          </a:xfrm>
+          <a:prstGeom prst="rect">
+            <a:avLst/>
+          </a:prstGeom>
+          <a:solidFill>
+            <a:schemeClr val="bg1"/>
+          </a:solidFill>
+          <a:ln>
+            <a:solidFill>
+              <a:schemeClr val="bg1"/>
+            </a:solidFill>
+          </a:ln>
+        </p:spPr>
+        <p:style>
+          <a:lnRef idx="2">
+            <a:schemeClr val="accent1">
+              <a:shade val="50000"/>
+            </a:schemeClr>
+          </a:lnRef>
+          <a:fillRef idx="1">
+            <a:schemeClr val="accent1"/>
+          </a:fillRef>
+          <a:effectRef idx="0">
+            <a:schemeClr val="accent1"/>
+          </a:effectRef>
+          <a:fontRef idx="minor">
+            <a:schemeClr val="lt1"/>
+          </a:fontRef>
+        </p:style>
+        <p:txBody>
+          <a:bodyPr rtlCol="0" anchor="ctr"/>
+          <a:lstStyle/>
+          <a:p>
+            <a:pPr algn="ctr"/>
+            <a:endParaRPr lang="en-US" dirty="0"/>
+          </a:p>
+        </p:txBody>
+      </p:sp>
+      <p:sp>
+        <p:nvSpPr>
+          <p:cNvPr id="58" name="TextBox 57">
+            <a:extLst>
+              <a:ext uri="{FF2B5EF4-FFF2-40B4-BE49-F238E27FC236}">
+                <a16:creationId xmlns:a16="http://schemas.microsoft.com/office/drawing/2014/main" id="{B2EC778B-E6D9-4062-92BE-E0C14ECB35C8}"/>
+              </a:ext>
+            </a:extLst>
+          </p:cNvPr>
+          <p:cNvSpPr txBox="1"/>
+          <p:nvPr/>
+        </p:nvSpPr>
+        <p:spPr>
+          <a:xfrm>
+            <a:off x="37160970" y="25692336"/>
+            <a:ext cx="1640193" cy="523220"/>
+          </a:xfrm>
+          <a:prstGeom prst="rect">
+            <a:avLst/>
+          </a:prstGeom>
+          <a:noFill/>
+        </p:spPr>
+        <p:txBody>
+          <a:bodyPr wrap="none" rtlCol="0">
+            <a:spAutoFit/>
+          </a:bodyPr>
+          <a:lstStyle/>
+          <a:p>
+            <a:r>
+              <a:rPr lang="en-US" sz="2800" dirty="0"/>
+              <a:t>Longitude</a:t>
+            </a:r>
+          </a:p>
+        </p:txBody>
+      </p:sp>
+      <p:sp>
+        <p:nvSpPr>
+          <p:cNvPr id="59" name="Rectangle 58">
+            <a:extLst>
+              <a:ext uri="{FF2B5EF4-FFF2-40B4-BE49-F238E27FC236}">
+                <a16:creationId xmlns:a16="http://schemas.microsoft.com/office/drawing/2014/main" id="{2C038D54-1856-4B9F-8D36-687950C94A1C}"/>
+              </a:ext>
+            </a:extLst>
+          </p:cNvPr>
+          <p:cNvSpPr/>
+          <p:nvPr/>
+        </p:nvSpPr>
+        <p:spPr>
+          <a:xfrm rot="5400000">
+            <a:off x="23957733" y="25377318"/>
+            <a:ext cx="379214" cy="1199998"/>
+          </a:xfrm>
+          <a:prstGeom prst="rect">
+            <a:avLst/>
+          </a:prstGeom>
+          <a:solidFill>
+            <a:schemeClr val="bg1"/>
+          </a:solidFill>
+          <a:ln>
+            <a:solidFill>
+              <a:schemeClr val="bg1"/>
+            </a:solidFill>
+          </a:ln>
+        </p:spPr>
+        <p:style>
+          <a:lnRef idx="2">
+            <a:schemeClr val="accent1">
+              <a:shade val="50000"/>
+            </a:schemeClr>
+          </a:lnRef>
+          <a:fillRef idx="1">
+            <a:schemeClr val="accent1"/>
+          </a:fillRef>
+          <a:effectRef idx="0">
+            <a:schemeClr val="accent1"/>
+          </a:effectRef>
+          <a:fontRef idx="minor">
+            <a:schemeClr val="lt1"/>
+          </a:fontRef>
+        </p:style>
+        <p:txBody>
+          <a:bodyPr rtlCol="0" anchor="ctr"/>
+          <a:lstStyle/>
+          <a:p>
+            <a:pPr algn="ctr"/>
+            <a:endParaRPr lang="en-US" dirty="0"/>
+          </a:p>
+        </p:txBody>
+      </p:sp>
+      <p:sp>
+        <p:nvSpPr>
+          <p:cNvPr id="60" name="TextBox 59">
+            <a:extLst>
+              <a:ext uri="{FF2B5EF4-FFF2-40B4-BE49-F238E27FC236}">
+                <a16:creationId xmlns:a16="http://schemas.microsoft.com/office/drawing/2014/main" id="{C79E1274-3E84-4098-B272-324546745BFD}"/>
+              </a:ext>
+            </a:extLst>
+          </p:cNvPr>
+          <p:cNvSpPr txBox="1"/>
+          <p:nvPr/>
+        </p:nvSpPr>
+        <p:spPr>
+          <a:xfrm>
+            <a:off x="23354460" y="25712896"/>
+            <a:ext cx="1640193" cy="523220"/>
+          </a:xfrm>
+          <a:prstGeom prst="rect">
+            <a:avLst/>
+          </a:prstGeom>
+          <a:noFill/>
+        </p:spPr>
+        <p:txBody>
+          <a:bodyPr wrap="none" rtlCol="0">
+            <a:spAutoFit/>
+          </a:bodyPr>
+          <a:lstStyle/>
+          <a:p>
+            <a:r>
+              <a:rPr lang="en-US" sz="2800" dirty="0"/>
+              <a:t>Longitude</a:t>
             </a:r>
           </a:p>
         </p:txBody>
